--- a/Tutorial/Single Sign On.pptx
+++ b/Tutorial/Single Sign On.pptx
@@ -297,7 +297,7 @@
           <a:p>
             <a:fld id="{3F8A6459-6F44-456A-AC63-FA8082B9C78D}" type="datetimeFigureOut">
               <a:rPr lang="en-PH" smtClean="0"/>
-              <a:t>12/02/2016</a:t>
+              <a:t>19/02/2016</a:t>
             </a:fld>
             <a:endParaRPr lang="en-PH"/>
           </a:p>
@@ -467,7 +467,7 @@
           <a:p>
             <a:fld id="{3F8A6459-6F44-456A-AC63-FA8082B9C78D}" type="datetimeFigureOut">
               <a:rPr lang="en-PH" smtClean="0"/>
-              <a:t>12/02/2016</a:t>
+              <a:t>19/02/2016</a:t>
             </a:fld>
             <a:endParaRPr lang="en-PH"/>
           </a:p>
@@ -647,7 +647,7 @@
           <a:p>
             <a:fld id="{3F8A6459-6F44-456A-AC63-FA8082B9C78D}" type="datetimeFigureOut">
               <a:rPr lang="en-PH" smtClean="0"/>
-              <a:t>12/02/2016</a:t>
+              <a:t>19/02/2016</a:t>
             </a:fld>
             <a:endParaRPr lang="en-PH"/>
           </a:p>
@@ -817,7 +817,7 @@
           <a:p>
             <a:fld id="{3F8A6459-6F44-456A-AC63-FA8082B9C78D}" type="datetimeFigureOut">
               <a:rPr lang="en-PH" smtClean="0"/>
-              <a:t>12/02/2016</a:t>
+              <a:t>19/02/2016</a:t>
             </a:fld>
             <a:endParaRPr lang="en-PH"/>
           </a:p>
@@ -1063,7 +1063,7 @@
           <a:p>
             <a:fld id="{3F8A6459-6F44-456A-AC63-FA8082B9C78D}" type="datetimeFigureOut">
               <a:rPr lang="en-PH" smtClean="0"/>
-              <a:t>12/02/2016</a:t>
+              <a:t>19/02/2016</a:t>
             </a:fld>
             <a:endParaRPr lang="en-PH"/>
           </a:p>
@@ -1351,7 +1351,7 @@
           <a:p>
             <a:fld id="{3F8A6459-6F44-456A-AC63-FA8082B9C78D}" type="datetimeFigureOut">
               <a:rPr lang="en-PH" smtClean="0"/>
-              <a:t>12/02/2016</a:t>
+              <a:t>19/02/2016</a:t>
             </a:fld>
             <a:endParaRPr lang="en-PH"/>
           </a:p>
@@ -1773,7 +1773,7 @@
           <a:p>
             <a:fld id="{3F8A6459-6F44-456A-AC63-FA8082B9C78D}" type="datetimeFigureOut">
               <a:rPr lang="en-PH" smtClean="0"/>
-              <a:t>12/02/2016</a:t>
+              <a:t>19/02/2016</a:t>
             </a:fld>
             <a:endParaRPr lang="en-PH"/>
           </a:p>
@@ -1891,7 +1891,7 @@
           <a:p>
             <a:fld id="{3F8A6459-6F44-456A-AC63-FA8082B9C78D}" type="datetimeFigureOut">
               <a:rPr lang="en-PH" smtClean="0"/>
-              <a:t>12/02/2016</a:t>
+              <a:t>19/02/2016</a:t>
             </a:fld>
             <a:endParaRPr lang="en-PH"/>
           </a:p>
@@ -1986,7 +1986,7 @@
           <a:p>
             <a:fld id="{3F8A6459-6F44-456A-AC63-FA8082B9C78D}" type="datetimeFigureOut">
               <a:rPr lang="en-PH" smtClean="0"/>
-              <a:t>12/02/2016</a:t>
+              <a:t>19/02/2016</a:t>
             </a:fld>
             <a:endParaRPr lang="en-PH"/>
           </a:p>
@@ -2263,7 +2263,7 @@
           <a:p>
             <a:fld id="{3F8A6459-6F44-456A-AC63-FA8082B9C78D}" type="datetimeFigureOut">
               <a:rPr lang="en-PH" smtClean="0"/>
-              <a:t>12/02/2016</a:t>
+              <a:t>19/02/2016</a:t>
             </a:fld>
             <a:endParaRPr lang="en-PH"/>
           </a:p>
@@ -2516,7 +2516,7 @@
           <a:p>
             <a:fld id="{3F8A6459-6F44-456A-AC63-FA8082B9C78D}" type="datetimeFigureOut">
               <a:rPr lang="en-PH" smtClean="0"/>
-              <a:t>12/02/2016</a:t>
+              <a:t>19/02/2016</a:t>
             </a:fld>
             <a:endParaRPr lang="en-PH"/>
           </a:p>
@@ -2729,7 +2729,7 @@
           <a:p>
             <a:fld id="{3F8A6459-6F44-456A-AC63-FA8082B9C78D}" type="datetimeFigureOut">
               <a:rPr lang="en-PH" smtClean="0"/>
-              <a:t>12/02/2016</a:t>
+              <a:t>19/02/2016</a:t>
             </a:fld>
             <a:endParaRPr lang="en-PH"/>
           </a:p>
@@ -4196,7 +4196,7 @@
       </p:sp>
       <p:pic>
         <p:nvPicPr>
-          <p:cNvPr id="1028" name="Picture 4"/>
+          <p:cNvPr id="1026" name="Picture 2"/>
           <p:cNvPicPr>
             <a:picLocks noChangeAspect="1" noChangeArrowheads="1"/>
           </p:cNvPicPr>
@@ -4217,8 +4217,8 @@
         </p:blipFill>
         <p:spPr bwMode="auto">
           <a:xfrm>
-            <a:off x="1668862" y="2420888"/>
-            <a:ext cx="5791200" cy="3961606"/>
+            <a:off x="1475656" y="2204864"/>
+            <a:ext cx="5517629" cy="3852664"/>
           </a:xfrm>
           <a:prstGeom prst="rect">
             <a:avLst/>
@@ -4313,12 +4313,12 @@
           <a:p>
             <a:pPr algn="l"/>
             <a:r>
-              <a:rPr lang="en-PH" dirty="0" smtClean="0">
+              <a:rPr lang="en-PH" dirty="0">
                 <a:solidFill>
                   <a:schemeClr val="bg1"/>
                 </a:solidFill>
               </a:rPr>
-              <a:t>server.xml</a:t>
+              <a:t>ibm-application-bnd.xml</a:t>
             </a:r>
             <a:endParaRPr lang="en-PH" dirty="0">
               <a:solidFill>
